--- a/ProteinBackbone/optimize/EHEEHE/initial.pptx
+++ b/ProteinBackbone/optimize/EHEEHE/initial.pptx
@@ -259,7 +259,7 @@
           <a:p>
             <a:fld id="{F372C837-6E7F-4ECE-A09C-5C6D0AB6E360}" type="datetimeFigureOut">
               <a:rPr lang="zh-CN" altLang="en-US" smtClean="0"/>
-              <a:t>2022/5/5</a:t>
+              <a:t>2022/5/30</a:t>
             </a:fld>
             <a:endParaRPr lang="zh-CN" altLang="en-US"/>
           </a:p>
@@ -457,7 +457,7 @@
           <a:p>
             <a:fld id="{F372C837-6E7F-4ECE-A09C-5C6D0AB6E360}" type="datetimeFigureOut">
               <a:rPr lang="zh-CN" altLang="en-US" smtClean="0"/>
-              <a:t>2022/5/5</a:t>
+              <a:t>2022/5/30</a:t>
             </a:fld>
             <a:endParaRPr lang="zh-CN" altLang="en-US"/>
           </a:p>
@@ -665,7 +665,7 @@
           <a:p>
             <a:fld id="{F372C837-6E7F-4ECE-A09C-5C6D0AB6E360}" type="datetimeFigureOut">
               <a:rPr lang="zh-CN" altLang="en-US" smtClean="0"/>
-              <a:t>2022/5/5</a:t>
+              <a:t>2022/5/30</a:t>
             </a:fld>
             <a:endParaRPr lang="zh-CN" altLang="en-US"/>
           </a:p>
@@ -863,7 +863,7 @@
           <a:p>
             <a:fld id="{F372C837-6E7F-4ECE-A09C-5C6D0AB6E360}" type="datetimeFigureOut">
               <a:rPr lang="zh-CN" altLang="en-US" smtClean="0"/>
-              <a:t>2022/5/5</a:t>
+              <a:t>2022/5/30</a:t>
             </a:fld>
             <a:endParaRPr lang="zh-CN" altLang="en-US"/>
           </a:p>
@@ -1138,7 +1138,7 @@
           <a:p>
             <a:fld id="{F372C837-6E7F-4ECE-A09C-5C6D0AB6E360}" type="datetimeFigureOut">
               <a:rPr lang="zh-CN" altLang="en-US" smtClean="0"/>
-              <a:t>2022/5/5</a:t>
+              <a:t>2022/5/30</a:t>
             </a:fld>
             <a:endParaRPr lang="zh-CN" altLang="en-US"/>
           </a:p>
@@ -1403,7 +1403,7 @@
           <a:p>
             <a:fld id="{F372C837-6E7F-4ECE-A09C-5C6D0AB6E360}" type="datetimeFigureOut">
               <a:rPr lang="zh-CN" altLang="en-US" smtClean="0"/>
-              <a:t>2022/5/5</a:t>
+              <a:t>2022/5/30</a:t>
             </a:fld>
             <a:endParaRPr lang="zh-CN" altLang="en-US"/>
           </a:p>
@@ -1815,7 +1815,7 @@
           <a:p>
             <a:fld id="{F372C837-6E7F-4ECE-A09C-5C6D0AB6E360}" type="datetimeFigureOut">
               <a:rPr lang="zh-CN" altLang="en-US" smtClean="0"/>
-              <a:t>2022/5/5</a:t>
+              <a:t>2022/5/30</a:t>
             </a:fld>
             <a:endParaRPr lang="zh-CN" altLang="en-US"/>
           </a:p>
@@ -1956,7 +1956,7 @@
           <a:p>
             <a:fld id="{F372C837-6E7F-4ECE-A09C-5C6D0AB6E360}" type="datetimeFigureOut">
               <a:rPr lang="zh-CN" altLang="en-US" smtClean="0"/>
-              <a:t>2022/5/5</a:t>
+              <a:t>2022/5/30</a:t>
             </a:fld>
             <a:endParaRPr lang="zh-CN" altLang="en-US"/>
           </a:p>
@@ -2069,7 +2069,7 @@
           <a:p>
             <a:fld id="{F372C837-6E7F-4ECE-A09C-5C6D0AB6E360}" type="datetimeFigureOut">
               <a:rPr lang="zh-CN" altLang="en-US" smtClean="0"/>
-              <a:t>2022/5/5</a:t>
+              <a:t>2022/5/30</a:t>
             </a:fld>
             <a:endParaRPr lang="zh-CN" altLang="en-US"/>
           </a:p>
@@ -2380,7 +2380,7 @@
           <a:p>
             <a:fld id="{F372C837-6E7F-4ECE-A09C-5C6D0AB6E360}" type="datetimeFigureOut">
               <a:rPr lang="zh-CN" altLang="en-US" smtClean="0"/>
-              <a:t>2022/5/5</a:t>
+              <a:t>2022/5/30</a:t>
             </a:fld>
             <a:endParaRPr lang="zh-CN" altLang="en-US"/>
           </a:p>
@@ -2668,7 +2668,7 @@
           <a:p>
             <a:fld id="{F372C837-6E7F-4ECE-A09C-5C6D0AB6E360}" type="datetimeFigureOut">
               <a:rPr lang="zh-CN" altLang="en-US" smtClean="0"/>
-              <a:t>2022/5/5</a:t>
+              <a:t>2022/5/30</a:t>
             </a:fld>
             <a:endParaRPr lang="zh-CN" altLang="en-US"/>
           </a:p>
@@ -2909,7 +2909,7 @@
           <a:p>
             <a:fld id="{F372C837-6E7F-4ECE-A09C-5C6D0AB6E360}" type="datetimeFigureOut">
               <a:rPr lang="zh-CN" altLang="en-US" smtClean="0"/>
-              <a:t>2022/5/5</a:t>
+              <a:t>2022/5/30</a:t>
             </a:fld>
             <a:endParaRPr lang="zh-CN" altLang="en-US"/>
           </a:p>
@@ -3335,12 +3335,14 @@
               </a:ext>
             </a:extLst>
           </p:cNvPr>
-          <p:cNvCxnSpPr/>
+          <p:cNvCxnSpPr>
+            <a:cxnSpLocks/>
+          </p:cNvCxnSpPr>
           <p:nvPr/>
         </p:nvCxnSpPr>
         <p:spPr>
           <a:xfrm>
-            <a:off x="5227702" y="4143375"/>
+            <a:off x="4846702" y="4957762"/>
             <a:ext cx="1409700" cy="0"/>
           </a:xfrm>
           <a:prstGeom prst="line">
@@ -3380,12 +3382,14 @@
               </a:ext>
             </a:extLst>
           </p:cNvPr>
-          <p:cNvCxnSpPr/>
+          <p:cNvCxnSpPr>
+            <a:cxnSpLocks/>
+          </p:cNvCxnSpPr>
           <p:nvPr/>
         </p:nvCxnSpPr>
         <p:spPr>
           <a:xfrm>
-            <a:off x="5296746" y="3514725"/>
+            <a:off x="4915746" y="4329112"/>
             <a:ext cx="1409700" cy="0"/>
           </a:xfrm>
           <a:prstGeom prst="line">
@@ -3425,12 +3429,14 @@
               </a:ext>
             </a:extLst>
           </p:cNvPr>
-          <p:cNvCxnSpPr/>
+          <p:cNvCxnSpPr>
+            <a:cxnSpLocks/>
+          </p:cNvCxnSpPr>
           <p:nvPr/>
         </p:nvCxnSpPr>
         <p:spPr>
           <a:xfrm>
-            <a:off x="5227702" y="2876550"/>
+            <a:off x="4846702" y="3690937"/>
             <a:ext cx="1409700" cy="0"/>
           </a:xfrm>
           <a:prstGeom prst="line">
@@ -3475,7 +3481,7 @@
         </p:nvSpPr>
         <p:spPr>
           <a:xfrm>
-            <a:off x="3286125" y="1552575"/>
+            <a:off x="2905125" y="2366962"/>
             <a:ext cx="438150" cy="4000500"/>
           </a:xfrm>
           <a:prstGeom prst="downArrow">
@@ -3527,7 +3533,7 @@
         </p:nvSpPr>
         <p:spPr>
           <a:xfrm rot="10800000">
-            <a:off x="4914900" y="1552575"/>
+            <a:off x="4533900" y="2366962"/>
             <a:ext cx="438150" cy="4000500"/>
           </a:xfrm>
           <a:prstGeom prst="downArrow">
@@ -3579,7 +3585,7 @@
         </p:nvSpPr>
         <p:spPr>
           <a:xfrm>
-            <a:off x="6543675" y="1552575"/>
+            <a:off x="6162675" y="2366962"/>
             <a:ext cx="438150" cy="4000500"/>
           </a:xfrm>
           <a:prstGeom prst="downArrow">
@@ -3631,7 +3637,7 @@
         </p:nvSpPr>
         <p:spPr>
           <a:xfrm rot="10800000">
-            <a:off x="8172450" y="1552575"/>
+            <a:off x="7791450" y="2366962"/>
             <a:ext cx="438150" cy="4000500"/>
           </a:xfrm>
           <a:prstGeom prst="downArrow">
@@ -3683,8 +3689,8 @@
         </p:nvSpPr>
         <p:spPr>
           <a:xfrm>
-            <a:off x="4371970" y="814387"/>
-            <a:ext cx="385768" cy="5229225"/>
+            <a:off x="4209599" y="962025"/>
+            <a:ext cx="385768" cy="4412049"/>
           </a:xfrm>
           <a:prstGeom prst="can">
             <a:avLst/>
@@ -3729,8 +3735,8 @@
         </p:nvSpPr>
         <p:spPr>
           <a:xfrm>
-            <a:off x="7138987" y="814387"/>
-            <a:ext cx="385768" cy="5229225"/>
+            <a:off x="7071038" y="962025"/>
+            <a:ext cx="385768" cy="4417298"/>
           </a:xfrm>
           <a:prstGeom prst="can">
             <a:avLst/>
@@ -3771,19 +3777,20 @@
             </a:extLst>
           </p:cNvPr>
           <p:cNvCxnSpPr>
+            <a:cxnSpLocks/>
             <a:stCxn id="4" idx="2"/>
             <a:endCxn id="8" idx="3"/>
           </p:cNvCxnSpPr>
           <p:nvPr/>
         </p:nvCxnSpPr>
         <p:spPr>
-          <a:xfrm rot="16200000" flipH="1">
-            <a:off x="3789759" y="5268516"/>
-            <a:ext cx="490537" cy="1059654"/>
+          <a:xfrm rot="5400000" flipH="1" flipV="1">
+            <a:off x="3266647" y="5231626"/>
+            <a:ext cx="993388" cy="1278283"/>
           </a:xfrm>
           <a:prstGeom prst="curvedConnector3">
             <a:avLst>
-              <a:gd name="adj1" fmla="val 146602"/>
+              <a:gd name="adj1" fmla="val -30683"/>
             </a:avLst>
           </a:prstGeom>
           <a:ln w="101600">
@@ -3826,12 +3833,12 @@
         </p:nvCxnSpPr>
         <p:spPr>
           <a:xfrm rot="16200000" flipH="1">
-            <a:off x="5342929" y="132754"/>
-            <a:ext cx="641746" cy="2197896"/>
+            <a:off x="4737868" y="723081"/>
+            <a:ext cx="1308495" cy="1979267"/>
           </a:xfrm>
           <a:prstGeom prst="curvedConnector3">
             <a:avLst>
-              <a:gd name="adj1" fmla="val -50650"/>
+              <a:gd name="adj1" fmla="val -1547"/>
             </a:avLst>
           </a:prstGeom>
           <a:ln w="101600">
@@ -3874,12 +3881,12 @@
         </p:nvCxnSpPr>
         <p:spPr>
           <a:xfrm rot="16200000" flipH="1">
-            <a:off x="7577137" y="4738687"/>
+            <a:off x="7196137" y="5553074"/>
             <a:ext cx="12700" cy="1628775"/>
           </a:xfrm>
           <a:prstGeom prst="curvedConnector3">
             <a:avLst>
-              <a:gd name="adj1" fmla="val 1800000"/>
+              <a:gd name="adj1" fmla="val 2850000"/>
             </a:avLst>
           </a:prstGeom>
           <a:ln w="101600">
@@ -3922,12 +3929,12 @@
         </p:nvCxnSpPr>
         <p:spPr>
           <a:xfrm rot="16200000" flipV="1">
-            <a:off x="7540825" y="701875"/>
-            <a:ext cx="641746" cy="1059654"/>
+            <a:off x="6982977" y="1339413"/>
+            <a:ext cx="1308495" cy="746603"/>
           </a:xfrm>
           <a:prstGeom prst="curvedConnector3">
             <a:avLst>
-              <a:gd name="adj1" fmla="val 150650"/>
+              <a:gd name="adj1" fmla="val 94268"/>
             </a:avLst>
           </a:prstGeom>
           <a:ln w="101600">
@@ -3969,13 +3976,13 @@
           <p:nvPr/>
         </p:nvCxnSpPr>
         <p:spPr>
-          <a:xfrm rot="5400000" flipH="1">
-            <a:off x="5987654" y="4699396"/>
-            <a:ext cx="490537" cy="2197896"/>
+          <a:xfrm rot="5400000">
+            <a:off x="5514380" y="4617919"/>
+            <a:ext cx="988139" cy="2510947"/>
           </a:xfrm>
           <a:prstGeom prst="curvedConnector3">
             <a:avLst>
-              <a:gd name="adj1" fmla="val -46602"/>
+              <a:gd name="adj1" fmla="val 136629"/>
             </a:avLst>
           </a:prstGeom>
           <a:ln w="101600">
@@ -4014,7 +4021,7 @@
         </p:nvSpPr>
         <p:spPr>
           <a:xfrm>
-            <a:off x="3003449" y="1465361"/>
+            <a:off x="2622449" y="2279748"/>
             <a:ext cx="284052" cy="307777"/>
           </a:xfrm>
           <a:prstGeom prst="rect">
@@ -4023,7 +4030,7 @@
           <a:noFill/>
         </p:spPr>
         <p:txBody>
-          <a:bodyPr wrap="none" rtlCol="0">
+          <a:bodyPr wrap="square" rtlCol="0">
             <a:spAutoFit/>
           </a:bodyPr>
           <a:lstStyle/>
@@ -4056,7 +4063,7 @@
         </p:nvSpPr>
         <p:spPr>
           <a:xfrm>
-            <a:off x="3007693" y="5251648"/>
+            <a:off x="2626693" y="6066035"/>
             <a:ext cx="284052" cy="307777"/>
           </a:xfrm>
           <a:prstGeom prst="rect">
@@ -4065,7 +4072,7 @@
           <a:noFill/>
         </p:spPr>
         <p:txBody>
-          <a:bodyPr wrap="none" rtlCol="0">
+          <a:bodyPr wrap="square" rtlCol="0">
             <a:spAutoFit/>
           </a:bodyPr>
           <a:lstStyle/>
@@ -4098,7 +4105,7 @@
         </p:nvSpPr>
         <p:spPr>
           <a:xfrm>
-            <a:off x="4032618" y="5735835"/>
+            <a:off x="3823743" y="5124233"/>
             <a:ext cx="383438" cy="307777"/>
           </a:xfrm>
           <a:prstGeom prst="rect">
@@ -4107,7 +4114,7 @@
           <a:noFill/>
         </p:spPr>
         <p:txBody>
-          <a:bodyPr wrap="none" rtlCol="0">
+          <a:bodyPr wrap="square" rtlCol="0">
             <a:spAutoFit/>
           </a:bodyPr>
           <a:lstStyle/>
@@ -4140,7 +4147,7 @@
         </p:nvSpPr>
         <p:spPr>
           <a:xfrm>
-            <a:off x="4032618" y="814386"/>
+            <a:off x="3823743" y="904089"/>
             <a:ext cx="383438" cy="307777"/>
           </a:xfrm>
           <a:prstGeom prst="rect">
@@ -4149,7 +4156,7 @@
           <a:noFill/>
         </p:spPr>
         <p:txBody>
-          <a:bodyPr wrap="none" rtlCol="0">
+          <a:bodyPr wrap="square" rtlCol="0">
             <a:spAutoFit/>
           </a:bodyPr>
           <a:lstStyle/>
@@ -4182,7 +4189,7 @@
         </p:nvSpPr>
         <p:spPr>
           <a:xfrm>
-            <a:off x="6209000" y="1465361"/>
+            <a:off x="5828000" y="2279748"/>
             <a:ext cx="383438" cy="307777"/>
           </a:xfrm>
           <a:prstGeom prst="rect">
@@ -4191,7 +4198,7 @@
           <a:noFill/>
         </p:spPr>
         <p:txBody>
-          <a:bodyPr wrap="none" rtlCol="0">
+          <a:bodyPr wrap="square" rtlCol="0">
             <a:spAutoFit/>
           </a:bodyPr>
           <a:lstStyle/>
@@ -4224,7 +4231,7 @@
         </p:nvSpPr>
         <p:spPr>
           <a:xfrm>
-            <a:off x="6199252" y="5238747"/>
+            <a:off x="5818252" y="6053134"/>
             <a:ext cx="383438" cy="307777"/>
           </a:xfrm>
           <a:prstGeom prst="rect">
@@ -4233,7 +4240,7 @@
           <a:noFill/>
         </p:spPr>
         <p:txBody>
-          <a:bodyPr wrap="none" rtlCol="0">
+          <a:bodyPr wrap="square" rtlCol="0">
             <a:spAutoFit/>
           </a:bodyPr>
           <a:lstStyle/>
@@ -4266,7 +4273,7 @@
         </p:nvSpPr>
         <p:spPr>
           <a:xfrm>
-            <a:off x="8610600" y="5238749"/>
+            <a:off x="8229600" y="6053136"/>
             <a:ext cx="383438" cy="307777"/>
           </a:xfrm>
           <a:prstGeom prst="rect">
@@ -4275,7 +4282,7 @@
           <a:noFill/>
         </p:spPr>
         <p:txBody>
-          <a:bodyPr wrap="none" rtlCol="0">
+          <a:bodyPr wrap="square" rtlCol="0">
             <a:spAutoFit/>
           </a:bodyPr>
           <a:lstStyle/>
@@ -4308,7 +4315,7 @@
         </p:nvSpPr>
         <p:spPr>
           <a:xfrm>
-            <a:off x="8610600" y="1465361"/>
+            <a:off x="8229600" y="2279748"/>
             <a:ext cx="383438" cy="307777"/>
           </a:xfrm>
           <a:prstGeom prst="rect">
@@ -4317,7 +4324,7 @@
           <a:noFill/>
         </p:spPr>
         <p:txBody>
-          <a:bodyPr wrap="none" rtlCol="0">
+          <a:bodyPr wrap="square" rtlCol="0">
             <a:spAutoFit/>
           </a:bodyPr>
           <a:lstStyle/>
@@ -4350,7 +4357,7 @@
         </p:nvSpPr>
         <p:spPr>
           <a:xfrm>
-            <a:off x="6790106" y="814385"/>
+            <a:off x="6707843" y="904088"/>
             <a:ext cx="383438" cy="307777"/>
           </a:xfrm>
           <a:prstGeom prst="rect">
@@ -4359,7 +4366,7 @@
           <a:noFill/>
         </p:spPr>
         <p:txBody>
-          <a:bodyPr wrap="none" rtlCol="0">
+          <a:bodyPr wrap="square" rtlCol="0">
             <a:spAutoFit/>
           </a:bodyPr>
           <a:lstStyle/>
@@ -4392,7 +4399,7 @@
         </p:nvSpPr>
         <p:spPr>
           <a:xfrm>
-            <a:off x="6790106" y="5735835"/>
+            <a:off x="6713906" y="5103116"/>
             <a:ext cx="383438" cy="307777"/>
           </a:xfrm>
           <a:prstGeom prst="rect">
@@ -4401,7 +4408,7 @@
           <a:noFill/>
         </p:spPr>
         <p:txBody>
-          <a:bodyPr wrap="none" rtlCol="0">
+          <a:bodyPr wrap="square" rtlCol="0">
             <a:spAutoFit/>
           </a:bodyPr>
           <a:lstStyle/>
@@ -4434,7 +4441,7 @@
         </p:nvSpPr>
         <p:spPr>
           <a:xfrm>
-            <a:off x="5296746" y="5238748"/>
+            <a:off x="4915746" y="6053135"/>
             <a:ext cx="383438" cy="307777"/>
           </a:xfrm>
           <a:prstGeom prst="rect">
@@ -4443,7 +4450,7 @@
           <a:noFill/>
         </p:spPr>
         <p:txBody>
-          <a:bodyPr wrap="none" rtlCol="0">
+          <a:bodyPr wrap="square" rtlCol="0">
             <a:spAutoFit/>
           </a:bodyPr>
           <a:lstStyle/>
@@ -4476,7 +4483,7 @@
         </p:nvSpPr>
         <p:spPr>
           <a:xfrm>
-            <a:off x="5345601" y="1465360"/>
+            <a:off x="4964601" y="2279747"/>
             <a:ext cx="383438" cy="307777"/>
           </a:xfrm>
           <a:prstGeom prst="rect">
@@ -4485,7 +4492,7 @@
           <a:noFill/>
         </p:spPr>
         <p:txBody>
-          <a:bodyPr wrap="none" rtlCol="0">
+          <a:bodyPr wrap="square" rtlCol="0">
             <a:spAutoFit/>
           </a:bodyPr>
           <a:lstStyle/>
@@ -4518,7 +4525,7 @@
         </p:nvSpPr>
         <p:spPr>
           <a:xfrm>
-            <a:off x="3005571" y="2096409"/>
+            <a:off x="2624571" y="2910796"/>
             <a:ext cx="284052" cy="307777"/>
           </a:xfrm>
           <a:prstGeom prst="rect">
@@ -4527,7 +4534,7 @@
           <a:noFill/>
         </p:spPr>
         <p:txBody>
-          <a:bodyPr wrap="none" rtlCol="0">
+          <a:bodyPr wrap="square" rtlCol="0">
             <a:spAutoFit/>
           </a:bodyPr>
           <a:lstStyle/>
@@ -4560,7 +4567,7 @@
         </p:nvSpPr>
         <p:spPr>
           <a:xfrm>
-            <a:off x="3011937" y="2727457"/>
+            <a:off x="2630937" y="3541844"/>
             <a:ext cx="284052" cy="307777"/>
           </a:xfrm>
           <a:prstGeom prst="rect">
@@ -4569,7 +4576,7 @@
           <a:noFill/>
         </p:spPr>
         <p:txBody>
-          <a:bodyPr wrap="none" rtlCol="0">
+          <a:bodyPr wrap="square" rtlCol="0">
             <a:spAutoFit/>
           </a:bodyPr>
           <a:lstStyle/>
@@ -4602,7 +4609,7 @@
         </p:nvSpPr>
         <p:spPr>
           <a:xfrm>
-            <a:off x="3014062" y="3358505"/>
+            <a:off x="2633062" y="4172892"/>
             <a:ext cx="284052" cy="307777"/>
           </a:xfrm>
           <a:prstGeom prst="rect">
@@ -4611,7 +4618,7 @@
           <a:noFill/>
         </p:spPr>
         <p:txBody>
-          <a:bodyPr wrap="none" rtlCol="0">
+          <a:bodyPr wrap="square" rtlCol="0">
             <a:spAutoFit/>
           </a:bodyPr>
           <a:lstStyle/>
@@ -4644,7 +4651,7 @@
         </p:nvSpPr>
         <p:spPr>
           <a:xfrm>
-            <a:off x="3009815" y="3989553"/>
+            <a:off x="2628815" y="4803940"/>
             <a:ext cx="284052" cy="307777"/>
           </a:xfrm>
           <a:prstGeom prst="rect">
@@ -4653,7 +4660,7 @@
           <a:noFill/>
         </p:spPr>
         <p:txBody>
-          <a:bodyPr wrap="none" rtlCol="0">
+          <a:bodyPr wrap="square" rtlCol="0">
             <a:spAutoFit/>
           </a:bodyPr>
           <a:lstStyle/>
@@ -4686,7 +4693,7 @@
         </p:nvSpPr>
         <p:spPr>
           <a:xfrm>
-            <a:off x="3001327" y="4620601"/>
+            <a:off x="2620327" y="5434988"/>
             <a:ext cx="284052" cy="307777"/>
           </a:xfrm>
           <a:prstGeom prst="rect">
@@ -4695,7 +4702,7 @@
           <a:noFill/>
         </p:spPr>
         <p:txBody>
-          <a:bodyPr wrap="none" rtlCol="0">
+          <a:bodyPr wrap="square" rtlCol="0">
             <a:spAutoFit/>
           </a:bodyPr>
           <a:lstStyle/>
@@ -4728,7 +4735,7 @@
         </p:nvSpPr>
         <p:spPr>
           <a:xfrm>
-            <a:off x="5306517" y="4609850"/>
+            <a:off x="4925517" y="5424237"/>
             <a:ext cx="383438" cy="307777"/>
           </a:xfrm>
           <a:prstGeom prst="rect">
@@ -4737,7 +4744,7 @@
           <a:noFill/>
         </p:spPr>
         <p:txBody>
-          <a:bodyPr wrap="none" rtlCol="0">
+          <a:bodyPr wrap="square" rtlCol="0">
             <a:spAutoFit/>
           </a:bodyPr>
           <a:lstStyle/>
@@ -4770,7 +4777,7 @@
         </p:nvSpPr>
         <p:spPr>
           <a:xfrm>
-            <a:off x="5326059" y="3980952"/>
+            <a:off x="4945059" y="4795339"/>
             <a:ext cx="383438" cy="307777"/>
           </a:xfrm>
           <a:prstGeom prst="rect">
@@ -4779,7 +4786,7 @@
           <a:noFill/>
         </p:spPr>
         <p:txBody>
-          <a:bodyPr wrap="none" rtlCol="0">
+          <a:bodyPr wrap="square" rtlCol="0">
             <a:spAutoFit/>
           </a:bodyPr>
           <a:lstStyle/>
@@ -4812,7 +4819,7 @@
         </p:nvSpPr>
         <p:spPr>
           <a:xfrm>
-            <a:off x="5316288" y="3352054"/>
+            <a:off x="4935288" y="4166441"/>
             <a:ext cx="383438" cy="307777"/>
           </a:xfrm>
           <a:prstGeom prst="rect">
@@ -4821,7 +4828,7 @@
           <a:noFill/>
         </p:spPr>
         <p:txBody>
-          <a:bodyPr wrap="none" rtlCol="0">
+          <a:bodyPr wrap="square" rtlCol="0">
             <a:spAutoFit/>
           </a:bodyPr>
           <a:lstStyle/>
@@ -4854,7 +4861,7 @@
         </p:nvSpPr>
         <p:spPr>
           <a:xfrm>
-            <a:off x="5335830" y="2723156"/>
+            <a:off x="4954830" y="3537543"/>
             <a:ext cx="383438" cy="307777"/>
           </a:xfrm>
           <a:prstGeom prst="rect">
@@ -4863,7 +4870,7 @@
           <a:noFill/>
         </p:spPr>
         <p:txBody>
-          <a:bodyPr wrap="none" rtlCol="0">
+          <a:bodyPr wrap="square" rtlCol="0">
             <a:spAutoFit/>
           </a:bodyPr>
           <a:lstStyle/>
@@ -4896,7 +4903,7 @@
         </p:nvSpPr>
         <p:spPr>
           <a:xfrm>
-            <a:off x="5355375" y="2094258"/>
+            <a:off x="4974375" y="2908645"/>
             <a:ext cx="383438" cy="307777"/>
           </a:xfrm>
           <a:prstGeom prst="rect">
@@ -4905,7 +4912,7 @@
           <a:noFill/>
         </p:spPr>
         <p:txBody>
-          <a:bodyPr wrap="none" rtlCol="0">
+          <a:bodyPr wrap="square" rtlCol="0">
             <a:spAutoFit/>
           </a:bodyPr>
           <a:lstStyle/>
@@ -4938,7 +4945,7 @@
         </p:nvSpPr>
         <p:spPr>
           <a:xfrm>
-            <a:off x="6208392" y="4609850"/>
+            <a:off x="5827392" y="5424237"/>
             <a:ext cx="383438" cy="307777"/>
           </a:xfrm>
           <a:prstGeom prst="rect">
@@ -4947,7 +4954,7 @@
           <a:noFill/>
         </p:spPr>
         <p:txBody>
-          <a:bodyPr wrap="none" rtlCol="0">
+          <a:bodyPr wrap="square" rtlCol="0">
             <a:spAutoFit/>
           </a:bodyPr>
           <a:lstStyle/>
@@ -4980,7 +4987,7 @@
         </p:nvSpPr>
         <p:spPr>
           <a:xfrm>
-            <a:off x="6199252" y="3980953"/>
+            <a:off x="5818252" y="4795340"/>
             <a:ext cx="383438" cy="307777"/>
           </a:xfrm>
           <a:prstGeom prst="rect">
@@ -4989,7 +4996,7 @@
           <a:noFill/>
         </p:spPr>
         <p:txBody>
-          <a:bodyPr wrap="none" rtlCol="0">
+          <a:bodyPr wrap="square" rtlCol="0">
             <a:spAutoFit/>
           </a:bodyPr>
           <a:lstStyle/>
@@ -5022,7 +5029,7 @@
         </p:nvSpPr>
         <p:spPr>
           <a:xfrm>
-            <a:off x="6208250" y="3352054"/>
+            <a:off x="5827250" y="4166441"/>
             <a:ext cx="383438" cy="307777"/>
           </a:xfrm>
           <a:prstGeom prst="rect">
@@ -5031,7 +5038,7 @@
           <a:noFill/>
         </p:spPr>
         <p:txBody>
-          <a:bodyPr wrap="none" rtlCol="0">
+          <a:bodyPr wrap="square" rtlCol="0">
             <a:spAutoFit/>
           </a:bodyPr>
           <a:lstStyle/>
@@ -5064,7 +5071,7 @@
         </p:nvSpPr>
         <p:spPr>
           <a:xfrm>
-            <a:off x="6208250" y="2723156"/>
+            <a:off x="5827250" y="3537543"/>
             <a:ext cx="383438" cy="307777"/>
           </a:xfrm>
           <a:prstGeom prst="rect">
@@ -5073,7 +5080,7 @@
           <a:noFill/>
         </p:spPr>
         <p:txBody>
-          <a:bodyPr wrap="none" rtlCol="0">
+          <a:bodyPr wrap="square" rtlCol="0">
             <a:spAutoFit/>
           </a:bodyPr>
           <a:lstStyle/>
@@ -5106,7 +5113,7 @@
         </p:nvSpPr>
         <p:spPr>
           <a:xfrm>
-            <a:off x="6199252" y="2094258"/>
+            <a:off x="5818252" y="2908645"/>
             <a:ext cx="383438" cy="307777"/>
           </a:xfrm>
           <a:prstGeom prst="rect">
@@ -5115,7 +5122,7 @@
           <a:noFill/>
         </p:spPr>
         <p:txBody>
-          <a:bodyPr wrap="none" rtlCol="0">
+          <a:bodyPr wrap="square" rtlCol="0">
             <a:spAutoFit/>
           </a:bodyPr>
           <a:lstStyle/>
@@ -5148,7 +5155,7 @@
         </p:nvSpPr>
         <p:spPr>
           <a:xfrm>
-            <a:off x="8610600" y="4609850"/>
+            <a:off x="8229600" y="5424237"/>
             <a:ext cx="383438" cy="307777"/>
           </a:xfrm>
           <a:prstGeom prst="rect">
@@ -5157,7 +5164,7 @@
           <a:noFill/>
         </p:spPr>
         <p:txBody>
-          <a:bodyPr wrap="none" rtlCol="0">
+          <a:bodyPr wrap="square" rtlCol="0">
             <a:spAutoFit/>
           </a:bodyPr>
           <a:lstStyle/>
@@ -5190,7 +5197,7 @@
         </p:nvSpPr>
         <p:spPr>
           <a:xfrm>
-            <a:off x="8610600" y="3989553"/>
+            <a:off x="8229600" y="4803940"/>
             <a:ext cx="383438" cy="307777"/>
           </a:xfrm>
           <a:prstGeom prst="rect">
@@ -5199,7 +5206,7 @@
           <a:noFill/>
         </p:spPr>
         <p:txBody>
-          <a:bodyPr wrap="none" rtlCol="0">
+          <a:bodyPr wrap="square" rtlCol="0">
             <a:spAutoFit/>
           </a:bodyPr>
           <a:lstStyle/>
@@ -5232,7 +5239,7 @@
         </p:nvSpPr>
         <p:spPr>
           <a:xfrm>
-            <a:off x="8610600" y="3358505"/>
+            <a:off x="8229600" y="4172892"/>
             <a:ext cx="383438" cy="307777"/>
           </a:xfrm>
           <a:prstGeom prst="rect">
@@ -5241,7 +5248,7 @@
           <a:noFill/>
         </p:spPr>
         <p:txBody>
-          <a:bodyPr wrap="none" rtlCol="0">
+          <a:bodyPr wrap="square" rtlCol="0">
             <a:spAutoFit/>
           </a:bodyPr>
           <a:lstStyle/>
@@ -5274,7 +5281,7 @@
         </p:nvSpPr>
         <p:spPr>
           <a:xfrm>
-            <a:off x="8615363" y="2723156"/>
+            <a:off x="8234363" y="3537543"/>
             <a:ext cx="383438" cy="307777"/>
           </a:xfrm>
           <a:prstGeom prst="rect">
@@ -5283,7 +5290,7 @@
           <a:noFill/>
         </p:spPr>
         <p:txBody>
-          <a:bodyPr wrap="none" rtlCol="0">
+          <a:bodyPr wrap="square" rtlCol="0">
             <a:spAutoFit/>
           </a:bodyPr>
           <a:lstStyle/>
@@ -5316,7 +5323,7 @@
         </p:nvSpPr>
         <p:spPr>
           <a:xfrm>
-            <a:off x="8610600" y="2094258"/>
+            <a:off x="8229600" y="2908645"/>
             <a:ext cx="383438" cy="307777"/>
           </a:xfrm>
           <a:prstGeom prst="rect">
@@ -5325,7 +5332,7 @@
           <a:noFill/>
         </p:spPr>
         <p:txBody>
-          <a:bodyPr wrap="none" rtlCol="0">
+          <a:bodyPr wrap="square" rtlCol="0">
             <a:spAutoFit/>
           </a:bodyPr>
           <a:lstStyle/>
@@ -5353,12 +5360,14 @@
               </a:ext>
             </a:extLst>
           </p:cNvPr>
-          <p:cNvCxnSpPr/>
+          <p:cNvCxnSpPr>
+            <a:cxnSpLocks/>
+          </p:cNvCxnSpPr>
           <p:nvPr/>
         </p:nvCxnSpPr>
         <p:spPr>
           <a:xfrm>
-            <a:off x="3629025" y="2257425"/>
+            <a:off x="3248025" y="3071812"/>
             <a:ext cx="1409700" cy="0"/>
           </a:xfrm>
           <a:prstGeom prst="line">
@@ -5398,12 +5407,14 @@
               </a:ext>
             </a:extLst>
           </p:cNvPr>
-          <p:cNvCxnSpPr/>
+          <p:cNvCxnSpPr>
+            <a:cxnSpLocks/>
+          </p:cNvCxnSpPr>
           <p:nvPr/>
         </p:nvCxnSpPr>
         <p:spPr>
           <a:xfrm>
-            <a:off x="3629025" y="2876550"/>
+            <a:off x="3248025" y="3690937"/>
             <a:ext cx="1409700" cy="0"/>
           </a:xfrm>
           <a:prstGeom prst="line">
@@ -5443,12 +5454,14 @@
               </a:ext>
             </a:extLst>
           </p:cNvPr>
-          <p:cNvCxnSpPr/>
+          <p:cNvCxnSpPr>
+            <a:cxnSpLocks/>
+          </p:cNvCxnSpPr>
           <p:nvPr/>
         </p:nvCxnSpPr>
         <p:spPr>
           <a:xfrm>
-            <a:off x="3629025" y="3514725"/>
+            <a:off x="3248025" y="4329112"/>
             <a:ext cx="1409700" cy="0"/>
           </a:xfrm>
           <a:prstGeom prst="line">
@@ -5488,12 +5501,14 @@
               </a:ext>
             </a:extLst>
           </p:cNvPr>
-          <p:cNvCxnSpPr/>
+          <p:cNvCxnSpPr>
+            <a:cxnSpLocks/>
+          </p:cNvCxnSpPr>
           <p:nvPr/>
         </p:nvCxnSpPr>
         <p:spPr>
           <a:xfrm>
-            <a:off x="3629025" y="4143375"/>
+            <a:off x="3248025" y="4957762"/>
             <a:ext cx="1409700" cy="0"/>
           </a:xfrm>
           <a:prstGeom prst="line">
@@ -5533,12 +5548,14 @@
               </a:ext>
             </a:extLst>
           </p:cNvPr>
-          <p:cNvCxnSpPr/>
+          <p:cNvCxnSpPr>
+            <a:cxnSpLocks/>
+          </p:cNvCxnSpPr>
           <p:nvPr/>
         </p:nvCxnSpPr>
         <p:spPr>
           <a:xfrm>
-            <a:off x="3629025" y="4762500"/>
+            <a:off x="3248025" y="5576887"/>
             <a:ext cx="1409700" cy="0"/>
           </a:xfrm>
           <a:prstGeom prst="line">
@@ -5578,12 +5595,14 @@
               </a:ext>
             </a:extLst>
           </p:cNvPr>
-          <p:cNvCxnSpPr/>
+          <p:cNvCxnSpPr>
+            <a:cxnSpLocks/>
+          </p:cNvCxnSpPr>
           <p:nvPr/>
         </p:nvCxnSpPr>
         <p:spPr>
           <a:xfrm>
-            <a:off x="6896100" y="2247900"/>
+            <a:off x="6515100" y="3062287"/>
             <a:ext cx="1409700" cy="0"/>
           </a:xfrm>
           <a:prstGeom prst="line">
@@ -5623,12 +5642,14 @@
               </a:ext>
             </a:extLst>
           </p:cNvPr>
-          <p:cNvCxnSpPr/>
+          <p:cNvCxnSpPr>
+            <a:cxnSpLocks/>
+          </p:cNvCxnSpPr>
           <p:nvPr/>
         </p:nvCxnSpPr>
         <p:spPr>
           <a:xfrm>
-            <a:off x="6896100" y="2876550"/>
+            <a:off x="6515100" y="3690937"/>
             <a:ext cx="1409700" cy="0"/>
           </a:xfrm>
           <a:prstGeom prst="line">
@@ -5668,12 +5689,14 @@
               </a:ext>
             </a:extLst>
           </p:cNvPr>
-          <p:cNvCxnSpPr/>
+          <p:cNvCxnSpPr>
+            <a:cxnSpLocks/>
+          </p:cNvCxnSpPr>
           <p:nvPr/>
         </p:nvCxnSpPr>
         <p:spPr>
           <a:xfrm>
-            <a:off x="6896100" y="3514725"/>
+            <a:off x="6515100" y="4329112"/>
             <a:ext cx="1409700" cy="0"/>
           </a:xfrm>
           <a:prstGeom prst="line">
@@ -5713,12 +5736,14 @@
               </a:ext>
             </a:extLst>
           </p:cNvPr>
-          <p:cNvCxnSpPr/>
+          <p:cNvCxnSpPr>
+            <a:cxnSpLocks/>
+          </p:cNvCxnSpPr>
           <p:nvPr/>
         </p:nvCxnSpPr>
         <p:spPr>
           <a:xfrm>
-            <a:off x="6896100" y="4133850"/>
+            <a:off x="6515100" y="4948237"/>
             <a:ext cx="1409700" cy="0"/>
           </a:xfrm>
           <a:prstGeom prst="line">
@@ -5758,12 +5783,14 @@
               </a:ext>
             </a:extLst>
           </p:cNvPr>
-          <p:cNvCxnSpPr/>
+          <p:cNvCxnSpPr>
+            <a:cxnSpLocks/>
+          </p:cNvCxnSpPr>
           <p:nvPr/>
         </p:nvCxnSpPr>
         <p:spPr>
           <a:xfrm>
-            <a:off x="6896100" y="4762500"/>
+            <a:off x="6515100" y="5576887"/>
             <a:ext cx="1409700" cy="0"/>
           </a:xfrm>
           <a:prstGeom prst="line">
@@ -5794,6 +5821,359 @@
           </a:fontRef>
         </p:style>
       </p:cxnSp>
+      <p:cxnSp>
+        <p:nvCxnSpPr>
+          <p:cNvPr id="96" name="直接连接符 95">
+            <a:extLst>
+              <a:ext uri="{FF2B5EF4-FFF2-40B4-BE49-F238E27FC236}">
+                <a16:creationId xmlns:a16="http://schemas.microsoft.com/office/drawing/2014/main" id="{CD536216-82DC-4B77-918B-D29169C14190}"/>
+              </a:ext>
+            </a:extLst>
+          </p:cNvPr>
+          <p:cNvCxnSpPr/>
+          <p:nvPr/>
+        </p:nvCxnSpPr>
+        <p:spPr>
+          <a:xfrm>
+            <a:off x="2228850" y="6360911"/>
+            <a:ext cx="7772400" cy="12901"/>
+          </a:xfrm>
+          <a:prstGeom prst="line">
+            <a:avLst/>
+          </a:prstGeom>
+          <a:ln w="57150">
+            <a:solidFill>
+              <a:schemeClr val="tx2">
+                <a:lumMod val="50000"/>
+              </a:schemeClr>
+            </a:solidFill>
+            <a:prstDash val="dash"/>
+          </a:ln>
+        </p:spPr>
+        <p:style>
+          <a:lnRef idx="1">
+            <a:schemeClr val="accent1"/>
+          </a:lnRef>
+          <a:fillRef idx="0">
+            <a:schemeClr val="accent1"/>
+          </a:fillRef>
+          <a:effectRef idx="0">
+            <a:schemeClr val="accent1"/>
+          </a:effectRef>
+          <a:fontRef idx="minor">
+            <a:schemeClr val="tx1"/>
+          </a:fontRef>
+        </p:style>
+      </p:cxnSp>
+      <p:cxnSp>
+        <p:nvCxnSpPr>
+          <p:cNvPr id="97" name="直接连接符 96">
+            <a:extLst>
+              <a:ext uri="{FF2B5EF4-FFF2-40B4-BE49-F238E27FC236}">
+                <a16:creationId xmlns:a16="http://schemas.microsoft.com/office/drawing/2014/main" id="{A0B1A385-2F11-48BA-9C3C-4338A065D6C3}"/>
+              </a:ext>
+            </a:extLst>
+          </p:cNvPr>
+          <p:cNvCxnSpPr/>
+          <p:nvPr/>
+        </p:nvCxnSpPr>
+        <p:spPr>
+          <a:xfrm>
+            <a:off x="2714625" y="5370205"/>
+            <a:ext cx="7772400" cy="12901"/>
+          </a:xfrm>
+          <a:prstGeom prst="line">
+            <a:avLst/>
+          </a:prstGeom>
+          <a:ln w="57150">
+            <a:solidFill>
+              <a:schemeClr val="tx2">
+                <a:lumMod val="50000"/>
+              </a:schemeClr>
+            </a:solidFill>
+            <a:prstDash val="dash"/>
+          </a:ln>
+        </p:spPr>
+        <p:style>
+          <a:lnRef idx="1">
+            <a:schemeClr val="accent1"/>
+          </a:lnRef>
+          <a:fillRef idx="0">
+            <a:schemeClr val="accent1"/>
+          </a:fillRef>
+          <a:effectRef idx="0">
+            <a:schemeClr val="accent1"/>
+          </a:effectRef>
+          <a:fontRef idx="minor">
+            <a:schemeClr val="tx1"/>
+          </a:fontRef>
+        </p:style>
+      </p:cxnSp>
+      <p:cxnSp>
+        <p:nvCxnSpPr>
+          <p:cNvPr id="99" name="直接箭头连接符 98">
+            <a:extLst>
+              <a:ext uri="{FF2B5EF4-FFF2-40B4-BE49-F238E27FC236}">
+                <a16:creationId xmlns:a16="http://schemas.microsoft.com/office/drawing/2014/main" id="{F62D6AE3-D5E1-4A52-B6D9-249BB1CA0437}"/>
+              </a:ext>
+            </a:extLst>
+          </p:cNvPr>
+          <p:cNvCxnSpPr/>
+          <p:nvPr/>
+        </p:nvCxnSpPr>
+        <p:spPr>
+          <a:xfrm flipH="1">
+            <a:off x="9591675" y="5410893"/>
+            <a:ext cx="533400" cy="950018"/>
+          </a:xfrm>
+          <a:prstGeom prst="straightConnector1">
+            <a:avLst/>
+          </a:prstGeom>
+          <a:ln w="57150">
+            <a:solidFill>
+              <a:schemeClr val="tx2">
+                <a:lumMod val="75000"/>
+              </a:schemeClr>
+            </a:solidFill>
+            <a:headEnd type="triangle"/>
+            <a:tailEnd type="triangle"/>
+          </a:ln>
+        </p:spPr>
+        <p:style>
+          <a:lnRef idx="1">
+            <a:schemeClr val="accent1"/>
+          </a:lnRef>
+          <a:fillRef idx="0">
+            <a:schemeClr val="accent1"/>
+          </a:fillRef>
+          <a:effectRef idx="0">
+            <a:schemeClr val="accent1"/>
+          </a:effectRef>
+          <a:fontRef idx="minor">
+            <a:schemeClr val="tx1"/>
+          </a:fontRef>
+        </p:style>
+      </p:cxnSp>
+      <p:sp>
+        <p:nvSpPr>
+          <p:cNvPr id="106" name="文本框 105">
+            <a:extLst>
+              <a:ext uri="{FF2B5EF4-FFF2-40B4-BE49-F238E27FC236}">
+                <a16:creationId xmlns:a16="http://schemas.microsoft.com/office/drawing/2014/main" id="{AD7A27C4-4EEA-44C2-9A56-05D8827B089F}"/>
+              </a:ext>
+            </a:extLst>
+          </p:cNvPr>
+          <p:cNvSpPr txBox="1"/>
+          <p:nvPr/>
+        </p:nvSpPr>
+        <p:spPr>
+          <a:xfrm>
+            <a:off x="9933668" y="5738685"/>
+            <a:ext cx="553357" cy="307777"/>
+          </a:xfrm>
+          <a:prstGeom prst="rect">
+            <a:avLst/>
+          </a:prstGeom>
+          <a:noFill/>
+        </p:spPr>
+        <p:txBody>
+          <a:bodyPr wrap="none" rtlCol="0">
+            <a:spAutoFit/>
+          </a:bodyPr>
+          <a:lstStyle/>
+          <a:p>
+            <a:r>
+              <a:rPr lang="en-US" altLang="zh-CN" sz="1400" dirty="0">
+                <a:latin typeface="Arial" panose="020B0604020202020204" pitchFamily="34" charset="0"/>
+                <a:cs typeface="Arial" panose="020B0604020202020204" pitchFamily="34" charset="0"/>
+              </a:rPr>
+              <a:t>10 Å</a:t>
+            </a:r>
+            <a:endParaRPr lang="zh-CN" altLang="en-US" sz="1400" dirty="0">
+              <a:latin typeface="Arial" panose="020B0604020202020204" pitchFamily="34" charset="0"/>
+              <a:cs typeface="Arial" panose="020B0604020202020204" pitchFamily="34" charset="0"/>
+            </a:endParaRPr>
+          </a:p>
+        </p:txBody>
+      </p:sp>
+      <p:cxnSp>
+        <p:nvCxnSpPr>
+          <p:cNvPr id="107" name="直接箭头连接符 106">
+            <a:extLst>
+              <a:ext uri="{FF2B5EF4-FFF2-40B4-BE49-F238E27FC236}">
+                <a16:creationId xmlns:a16="http://schemas.microsoft.com/office/drawing/2014/main" id="{EC8BD7E0-F540-46C8-9520-2B898036292A}"/>
+              </a:ext>
+            </a:extLst>
+          </p:cNvPr>
+          <p:cNvCxnSpPr>
+            <a:cxnSpLocks/>
+          </p:cNvCxnSpPr>
+          <p:nvPr/>
+        </p:nvCxnSpPr>
+        <p:spPr>
+          <a:xfrm flipH="1">
+            <a:off x="3239622" y="2771160"/>
+            <a:ext cx="1390336" cy="5369"/>
+          </a:xfrm>
+          <a:prstGeom prst="straightConnector1">
+            <a:avLst/>
+          </a:prstGeom>
+          <a:ln w="57150">
+            <a:solidFill>
+              <a:schemeClr val="tx2">
+                <a:lumMod val="75000"/>
+              </a:schemeClr>
+            </a:solidFill>
+            <a:headEnd type="triangle"/>
+            <a:tailEnd type="triangle"/>
+          </a:ln>
+        </p:spPr>
+        <p:style>
+          <a:lnRef idx="1">
+            <a:schemeClr val="accent1"/>
+          </a:lnRef>
+          <a:fillRef idx="0">
+            <a:schemeClr val="accent1"/>
+          </a:fillRef>
+          <a:effectRef idx="0">
+            <a:schemeClr val="accent1"/>
+          </a:effectRef>
+          <a:fontRef idx="minor">
+            <a:schemeClr val="tx1"/>
+          </a:fontRef>
+        </p:style>
+      </p:cxnSp>
+      <p:sp>
+        <p:nvSpPr>
+          <p:cNvPr id="109" name="文本框 108">
+            <a:extLst>
+              <a:ext uri="{FF2B5EF4-FFF2-40B4-BE49-F238E27FC236}">
+                <a16:creationId xmlns:a16="http://schemas.microsoft.com/office/drawing/2014/main" id="{E30BE53E-2446-4D08-8FCA-74E2361FAD2B}"/>
+              </a:ext>
+            </a:extLst>
+          </p:cNvPr>
+          <p:cNvSpPr txBox="1"/>
+          <p:nvPr/>
+        </p:nvSpPr>
+        <p:spPr>
+          <a:xfrm>
+            <a:off x="3588533" y="2442915"/>
+            <a:ext cx="503664" cy="307777"/>
+          </a:xfrm>
+          <a:prstGeom prst="rect">
+            <a:avLst/>
+          </a:prstGeom>
+          <a:noFill/>
+        </p:spPr>
+        <p:txBody>
+          <a:bodyPr wrap="none" rtlCol="0">
+            <a:spAutoFit/>
+          </a:bodyPr>
+          <a:lstStyle/>
+          <a:p>
+            <a:r>
+              <a:rPr lang="en-US" altLang="zh-CN" sz="1400" dirty="0">
+                <a:latin typeface="Arial" panose="020B0604020202020204" pitchFamily="34" charset="0"/>
+                <a:cs typeface="Arial" panose="020B0604020202020204" pitchFamily="34" charset="0"/>
+              </a:rPr>
+              <a:t> 8 Å</a:t>
+            </a:r>
+            <a:endParaRPr lang="zh-CN" altLang="en-US" sz="1400" dirty="0">
+              <a:latin typeface="Arial" panose="020B0604020202020204" pitchFamily="34" charset="0"/>
+              <a:cs typeface="Arial" panose="020B0604020202020204" pitchFamily="34" charset="0"/>
+            </a:endParaRPr>
+          </a:p>
+        </p:txBody>
+      </p:sp>
+      <p:cxnSp>
+        <p:nvCxnSpPr>
+          <p:cNvPr id="110" name="直接箭头连接符 109">
+            <a:extLst>
+              <a:ext uri="{FF2B5EF4-FFF2-40B4-BE49-F238E27FC236}">
+                <a16:creationId xmlns:a16="http://schemas.microsoft.com/office/drawing/2014/main" id="{D7060F0A-2318-4CCB-9F4E-0EDCCDBF9F2A}"/>
+              </a:ext>
+            </a:extLst>
+          </p:cNvPr>
+          <p:cNvCxnSpPr>
+            <a:cxnSpLocks/>
+          </p:cNvCxnSpPr>
+          <p:nvPr/>
+        </p:nvCxnSpPr>
+        <p:spPr>
+          <a:xfrm flipH="1">
+            <a:off x="4589488" y="1596818"/>
+            <a:ext cx="2481550" cy="17699"/>
+          </a:xfrm>
+          <a:prstGeom prst="straightConnector1">
+            <a:avLst/>
+          </a:prstGeom>
+          <a:ln w="57150">
+            <a:solidFill>
+              <a:schemeClr val="tx2">
+                <a:lumMod val="75000"/>
+              </a:schemeClr>
+            </a:solidFill>
+            <a:headEnd type="triangle"/>
+            <a:tailEnd type="triangle"/>
+          </a:ln>
+        </p:spPr>
+        <p:style>
+          <a:lnRef idx="1">
+            <a:schemeClr val="accent1"/>
+          </a:lnRef>
+          <a:fillRef idx="0">
+            <a:schemeClr val="accent1"/>
+          </a:fillRef>
+          <a:effectRef idx="0">
+            <a:schemeClr val="accent1"/>
+          </a:effectRef>
+          <a:fontRef idx="minor">
+            <a:schemeClr val="tx1"/>
+          </a:fontRef>
+        </p:style>
+      </p:cxnSp>
+      <p:sp>
+        <p:nvSpPr>
+          <p:cNvPr id="112" name="文本框 111">
+            <a:extLst>
+              <a:ext uri="{FF2B5EF4-FFF2-40B4-BE49-F238E27FC236}">
+                <a16:creationId xmlns:a16="http://schemas.microsoft.com/office/drawing/2014/main" id="{A7439CA0-6105-4B24-9654-27A24E139C4B}"/>
+              </a:ext>
+            </a:extLst>
+          </p:cNvPr>
+          <p:cNvSpPr txBox="1"/>
+          <p:nvPr/>
+        </p:nvSpPr>
+        <p:spPr>
+          <a:xfrm>
+            <a:off x="5620596" y="1650356"/>
+            <a:ext cx="553357" cy="307777"/>
+          </a:xfrm>
+          <a:prstGeom prst="rect">
+            <a:avLst/>
+          </a:prstGeom>
+          <a:noFill/>
+        </p:spPr>
+        <p:txBody>
+          <a:bodyPr wrap="none" rtlCol="0">
+            <a:spAutoFit/>
+          </a:bodyPr>
+          <a:lstStyle/>
+          <a:p>
+            <a:r>
+              <a:rPr lang="en-US" altLang="zh-CN" sz="1400" dirty="0">
+                <a:latin typeface="Arial" panose="020B0604020202020204" pitchFamily="34" charset="0"/>
+                <a:cs typeface="Arial" panose="020B0604020202020204" pitchFamily="34" charset="0"/>
+              </a:rPr>
+              <a:t>10 Å</a:t>
+            </a:r>
+            <a:endParaRPr lang="zh-CN" altLang="en-US" sz="1400" dirty="0">
+              <a:latin typeface="Arial" panose="020B0604020202020204" pitchFamily="34" charset="0"/>
+              <a:cs typeface="Arial" panose="020B0604020202020204" pitchFamily="34" charset="0"/>
+            </a:endParaRPr>
+          </a:p>
+        </p:txBody>
+      </p:sp>
     </p:spTree>
     <p:extLst>
       <p:ext uri="{BB962C8B-B14F-4D97-AF65-F5344CB8AC3E}">
